--- a/W05/W05_01_review.pptx
+++ b/W05/W05_01_review.pptx
@@ -262,7 +262,7 @@
   </p:defaultTextStyle>
   <p:extLst>
     <p:ext uri="{EFAFB233-063F-42B5-8137-9DF3F51BA10A}">
-      <p15:sldGuideLst xmlns:ahyp="http://schemas.microsoft.com/office/drawing/2018/hyperlinkcolor" xmlns:p15="http://schemas.microsoft.com/office/powerpoint/2012/main" xmlns:p14="http://schemas.microsoft.com/office/powerpoint/2010/main" xmlns:com="http://schemas.openxmlformats.org/drawingml/2006/compatibility" xmlns:pvml="urn:schemas-microsoft-com:office:powerpoint" xmlns:v="urn:schemas-microsoft-com:vml" xmlns:o="urn:schemas-microsoft-com:office:office" xmlns:dgm="http://schemas.openxmlformats.org/drawingml/2006/diagram" xmlns:c="http://schemas.openxmlformats.org/drawingml/2006/chart" xmlns:mv="urn:schemas-microsoft-com:mac:vml" xmlns:mc="http://schemas.openxmlformats.org/markup-compatibility/2006" xmlns="">
+      <p15:sldGuideLst xmlns="" xmlns:mc="http://schemas.openxmlformats.org/markup-compatibility/2006" xmlns:mv="urn:schemas-microsoft-com:mac:vml" xmlns:c="http://schemas.openxmlformats.org/drawingml/2006/chart" xmlns:dgm="http://schemas.openxmlformats.org/drawingml/2006/diagram" xmlns:o="urn:schemas-microsoft-com:office:office" xmlns:v="urn:schemas-microsoft-com:vml" xmlns:pvml="urn:schemas-microsoft-com:office:powerpoint" xmlns:com="http://schemas.openxmlformats.org/drawingml/2006/compatibility" xmlns:p14="http://schemas.microsoft.com/office/powerpoint/2010/main" xmlns:p15="http://schemas.microsoft.com/office/powerpoint/2012/main" xmlns:ahyp="http://schemas.microsoft.com/office/drawing/2018/hyperlinkcolor">
         <p15:guide id="1" orient="horz" pos="2160">
           <p15:clr>
             <a:srgbClr val="000000"/>
@@ -12824,15 +12824,7 @@
             </a:r>
             <a:r>
               <a:rPr lang="zh-TW" altLang="en-US" dirty="0" smtClean="0"/>
-              <a:t>的原因是要讓資料正規</a:t>
-            </a:r>
-            <a:r>
-              <a:rPr lang="zh-TW" altLang="en-US" dirty="0" smtClean="0"/>
-              <a:t>化</a:t>
-            </a:r>
-            <a:r>
-              <a:rPr lang="zh-TW" altLang="en-US" dirty="0" smtClean="0"/>
-              <a:t>為</a:t>
+              <a:t>的原因是要讓資料正規化為</a:t>
             </a:r>
             <a:r>
               <a:rPr lang="en-US" altLang="zh-TW" dirty="0" smtClean="0"/>
@@ -13514,7 +13506,74 @@
             </a:r>
             <a:r>
               <a:rPr lang="zh-TW" altLang="en-US" dirty="0" smtClean="0"/>
-              <a:t>的方式評估</a:t>
+              <a:t>的方式</a:t>
+            </a:r>
+            <a:r>
+              <a:rPr lang="zh-TW" altLang="en-US" dirty="0" smtClean="0"/>
+              <a:t>評估</a:t>
+            </a:r>
+            <a:r>
+              <a:rPr lang="en-US" altLang="zh-TW" dirty="0" smtClean="0"/>
+              <a:t/>
+            </a:r>
+            <a:br>
+              <a:rPr lang="en-US" altLang="zh-TW" dirty="0" smtClean="0"/>
+            </a:br>
+            <a:r>
+              <a:rPr lang="en-US" altLang="zh-TW" dirty="0" smtClean="0"/>
+              <a:t>(</a:t>
+            </a:r>
+            <a:r>
+              <a:rPr lang="en-US" altLang="zh-TW" dirty="0" err="1" smtClean="0"/>
+              <a:t>也可以</a:t>
+            </a:r>
+            <a:r>
+              <a:rPr lang="en-US" dirty="0" err="1" smtClean="0"/>
+              <a:t>SGD</a:t>
+            </a:r>
+            <a:r>
+              <a:rPr lang="en-US" dirty="0" smtClean="0"/>
+              <a:t>(gradient descent), </a:t>
+            </a:r>
+            <a:r>
+              <a:rPr lang="en-US" dirty="0" err="1" smtClean="0"/>
+              <a:t>RMSprop</a:t>
+            </a:r>
+            <a:r>
+              <a:rPr lang="en-US" dirty="0" smtClean="0"/>
+              <a:t>, </a:t>
+            </a:r>
+            <a:r>
+              <a:rPr lang="en-US" dirty="0" err="1" smtClean="0"/>
+              <a:t>Adagrad</a:t>
+            </a:r>
+            <a:r>
+              <a:rPr lang="en-US" dirty="0" smtClean="0"/>
+              <a:t>, </a:t>
+            </a:r>
+            <a:r>
+              <a:rPr lang="en-US" dirty="0" err="1" smtClean="0"/>
+              <a:t>Adadelta</a:t>
+            </a:r>
+            <a:r>
+              <a:rPr lang="en-US" dirty="0" smtClean="0"/>
+              <a:t>, Adam, </a:t>
+            </a:r>
+            <a:r>
+              <a:rPr lang="en-US" dirty="0" err="1" smtClean="0"/>
+              <a:t>Adamax</a:t>
+            </a:r>
+            <a:r>
+              <a:rPr lang="en-US" dirty="0" smtClean="0"/>
+              <a:t>, </a:t>
+            </a:r>
+            <a:r>
+              <a:rPr lang="en-US" dirty="0" err="1" smtClean="0"/>
+              <a:t>Nadam</a:t>
+            </a:r>
+            <a:r>
+              <a:rPr lang="en-US" altLang="zh-TW" dirty="0" smtClean="0"/>
+              <a:t>)</a:t>
             </a:r>
             <a:endParaRPr lang="en-US" altLang="zh-TW" dirty="0" smtClean="0"/>
           </a:p>
@@ -13744,7 +13803,26 @@
           <a:p>
             <a:r>
               <a:rPr lang="zh-TW" altLang="en-US" dirty="0" smtClean="0"/>
-              <a:t>開始訓練模型</a:t>
+              <a:t>開始訓練</a:t>
+            </a:r>
+            <a:r>
+              <a:rPr lang="zh-TW" altLang="en-US" dirty="0" smtClean="0"/>
+              <a:t>模型</a:t>
+            </a:r>
+            <a:endParaRPr lang="en-US" altLang="zh-TW" dirty="0" smtClean="0"/>
+          </a:p>
+          <a:p>
+            <a:r>
+              <a:rPr lang="en-US" altLang="zh-TW" dirty="0" err="1" smtClean="0"/>
+              <a:t>Batch_size</a:t>
+            </a:r>
+            <a:r>
+              <a:rPr lang="en-US" altLang="zh-TW" dirty="0" smtClean="0"/>
+              <a:t>: </a:t>
+            </a:r>
+            <a:r>
+              <a:rPr lang="en-US" altLang="zh-TW" dirty="0" err="1" smtClean="0"/>
+              <a:t>會影響收斂速度，每一個batch更新一次梯度下降的參數</a:t>
             </a:r>
             <a:endParaRPr lang="zh-TW" altLang="en-US" dirty="0"/>
           </a:p>
@@ -13767,7 +13845,7 @@
         </p:blipFill>
         <p:spPr bwMode="auto">
           <a:xfrm>
-            <a:off x="268514" y="2698296"/>
+            <a:off x="268514" y="2794548"/>
             <a:ext cx="8533791" cy="3687989"/>
           </a:xfrm>
           <a:prstGeom prst="rect">
